--- a/Doc/VISION,IMPACT MAPPING.pptx
+++ b/Doc/VISION,IMPACT MAPPING.pptx
@@ -624,7 +624,7 @@
           <a:p>
             <a:fld id="{FB30EDBD-1C2D-4C1E-B459-B60219FAB484}" type="datetimeFigureOut">
               <a:rPr lang="en-US" altLang="ko-KR"/>
-              <a:t>3/15/2016</a:t>
+              <a:t>4/11/2016</a:t>
             </a:fld>
             <a:endParaRPr/>
           </a:p>
@@ -899,7 +899,7 @@
           <a:p>
             <a:fld id="{FB30EDBD-1C2D-4C1E-B459-B60219FAB484}" type="datetimeFigureOut">
               <a:rPr lang="en-US" altLang="ko-KR"/>
-              <a:t>3/15/2016</a:t>
+              <a:t>4/11/2016</a:t>
             </a:fld>
             <a:endParaRPr/>
           </a:p>
@@ -1294,7 +1294,7 @@
           <a:p>
             <a:fld id="{FB30EDBD-1C2D-4C1E-B459-B60219FAB484}" type="datetimeFigureOut">
               <a:rPr lang="en-US" altLang="ko-KR"/>
-              <a:t>3/15/2016</a:t>
+              <a:t>4/11/2016</a:t>
             </a:fld>
             <a:endParaRPr/>
           </a:p>
@@ -1769,7 +1769,7 @@
           <a:p>
             <a:fld id="{FB30EDBD-1C2D-4C1E-B459-B60219FAB484}" type="datetimeFigureOut">
               <a:rPr lang="en-US" altLang="ko-KR"/>
-              <a:t>3/15/2016</a:t>
+              <a:t>4/11/2016</a:t>
             </a:fld>
             <a:endParaRPr/>
           </a:p>
@@ -1959,7 +1959,7 @@
           <a:p>
             <a:fld id="{FB30EDBD-1C2D-4C1E-B459-B60219FAB484}" type="datetimeFigureOut">
               <a:rPr lang="en-US" altLang="ko-KR"/>
-              <a:t>3/15/2016</a:t>
+              <a:t>4/11/2016</a:t>
             </a:fld>
             <a:endParaRPr/>
           </a:p>
@@ -2415,7 +2415,7 @@
           <a:p>
             <a:fld id="{FB30EDBD-1C2D-4C1E-B459-B60219FAB484}" type="datetimeFigureOut">
               <a:rPr lang="en-US" altLang="ko-KR"/>
-              <a:t>3/15/2016</a:t>
+              <a:t>4/11/2016</a:t>
             </a:fld>
             <a:endParaRPr/>
           </a:p>
@@ -2609,7 +2609,7 @@
           <a:p>
             <a:fld id="{FB30EDBD-1C2D-4C1E-B459-B60219FAB484}" type="datetimeFigureOut">
               <a:rPr lang="en-US" altLang="ko-KR"/>
-              <a:t>3/15/2016</a:t>
+              <a:t>4/11/2016</a:t>
             </a:fld>
             <a:endParaRPr/>
           </a:p>
@@ -2799,7 +2799,7 @@
           <a:p>
             <a:fld id="{FB30EDBD-1C2D-4C1E-B459-B60219FAB484}" type="datetimeFigureOut">
               <a:rPr lang="en-US" altLang="ko-KR"/>
-              <a:t>3/15/2016</a:t>
+              <a:t>4/11/2016</a:t>
             </a:fld>
             <a:endParaRPr/>
           </a:p>
@@ -2989,7 +2989,7 @@
           <a:p>
             <a:fld id="{FB30EDBD-1C2D-4C1E-B459-B60219FAB484}" type="datetimeFigureOut">
               <a:rPr lang="en-US" altLang="ko-KR"/>
-              <a:t>3/15/2016</a:t>
+              <a:t>4/11/2016</a:t>
             </a:fld>
             <a:endParaRPr/>
           </a:p>
@@ -3353,7 +3353,7 @@
                 <a:latin typeface="나눔명조"/>
                 <a:ea typeface="나눔명조"/>
               </a:rPr>
-              <a:t>3/15/2016</a:t>
+              <a:t>4/11/2016</a:t>
             </a:fld>
             <a:endParaRPr sz="1200">
               <a:solidFill>
@@ -4340,21 +4340,7 @@
                 <a:ea typeface="나눔명조"/>
                 <a:cs typeface="+mn-cs"/>
               </a:rPr>
-              <a:t>. VISION </a:t>
-            </a:r>
-            <a:r>
-              <a:rPr lang="en-US" altLang="ko-KR" sz="1600" b="1" kern="1200" dirty="0" smtClean="0">
-                <a:solidFill>
-                  <a:schemeClr val="tx1">
-                    <a:lumMod val="75000"/>
-                    <a:lumOff val="25000"/>
-                  </a:schemeClr>
-                </a:solidFill>
-                <a:latin typeface="나눔명조"/>
-                <a:ea typeface="나눔명조"/>
-                <a:cs typeface="+mn-cs"/>
-              </a:rPr>
-              <a:t>STATMENT</a:t>
+              <a:t>. VISION STATMENT</a:t>
             </a:r>
             <a:endParaRPr sz="1050" b="1" kern="1200" dirty="0">
               <a:solidFill>
@@ -4677,7 +4663,14 @@
                 <a:latin typeface="맑은 고딕" panose="020B0503020000020004" pitchFamily="50" charset="-127"/>
                 <a:ea typeface="맑은 고딕" panose="020B0503020000020004" pitchFamily="50" charset="-127"/>
               </a:rPr>
-              <a:t>도서관을 더 자주 이용하는 학생들을 위해</a:t>
+              <a:t>학생들에게 도서관을 더 자주 이용하게 하기 </a:t>
+            </a:r>
+            <a:r>
+              <a:rPr lang="ko-KR" altLang="en-US" dirty="0" smtClean="0">
+                <a:latin typeface="맑은 고딕" panose="020B0503020000020004" pitchFamily="50" charset="-127"/>
+                <a:ea typeface="맑은 고딕" panose="020B0503020000020004" pitchFamily="50" charset="-127"/>
+              </a:rPr>
+              <a:t>위해</a:t>
             </a:r>
             <a:r>
               <a:rPr lang="en-US" altLang="ko-KR" dirty="0">
@@ -4749,7 +4742,35 @@
                 <a:latin typeface="맑은 고딕" panose="020B0503020000020004" pitchFamily="50" charset="-127"/>
                 <a:ea typeface="맑은 고딕" panose="020B0503020000020004" pitchFamily="50" charset="-127"/>
               </a:rPr>
-              <a:t>이 프로그램은 도서관을 자주 이용하는 학생들에게 언제 어디서든 도서관을 이용하도록 지원한다</a:t>
+              <a:t>이 프로그램은 도서관을 </a:t>
+            </a:r>
+            <a:r>
+              <a:rPr lang="ko-KR" altLang="en-US" dirty="0" smtClean="0">
+                <a:latin typeface="맑은 고딕" panose="020B0503020000020004" pitchFamily="50" charset="-127"/>
+                <a:ea typeface="맑은 고딕" panose="020B0503020000020004" pitchFamily="50" charset="-127"/>
+              </a:rPr>
+              <a:t>이용하는 </a:t>
+            </a:r>
+            <a:r>
+              <a:rPr lang="ko-KR" altLang="en-US" dirty="0" smtClean="0">
+                <a:latin typeface="맑은 고딕" panose="020B0503020000020004" pitchFamily="50" charset="-127"/>
+                <a:ea typeface="맑은 고딕" panose="020B0503020000020004" pitchFamily="50" charset="-127"/>
+              </a:rPr>
+              <a:t>학생들에게 </a:t>
+            </a:r>
+            <a:r>
+              <a:rPr lang="ko-KR" altLang="en-US" dirty="0" smtClean="0">
+                <a:latin typeface="맑은 고딕" panose="020B0503020000020004" pitchFamily="50" charset="-127"/>
+                <a:ea typeface="맑은 고딕" panose="020B0503020000020004" pitchFamily="50" charset="-127"/>
+              </a:rPr>
+              <a:t>편리한 도서관 대출 </a:t>
+            </a:r>
+            <a:r>
+              <a:rPr lang="ko-KR" altLang="en-US" smtClean="0">
+                <a:latin typeface="맑은 고딕" panose="020B0503020000020004" pitchFamily="50" charset="-127"/>
+                <a:ea typeface="맑은 고딕" panose="020B0503020000020004" pitchFamily="50" charset="-127"/>
+              </a:rPr>
+              <a:t>웹 서비스와 도서관 포인트를 지원한다</a:t>
             </a:r>
             <a:r>
               <a:rPr lang="en-US" altLang="ko-KR" dirty="0" smtClean="0">
@@ -4763,7 +4784,21 @@
                 <a:latin typeface="맑은 고딕" panose="020B0503020000020004" pitchFamily="50" charset="-127"/>
                 <a:ea typeface="맑은 고딕" panose="020B0503020000020004" pitchFamily="50" charset="-127"/>
               </a:rPr>
-              <a:t>관리자들은 회원관리와 홍보 업무를 통해 도서관 이용률을 증가 시킨다</a:t>
+              <a:t>관리자들은 </a:t>
+            </a:r>
+            <a:r>
+              <a:rPr lang="ko-KR" altLang="en-US" dirty="0" smtClean="0">
+                <a:latin typeface="맑은 고딕" panose="020B0503020000020004" pitchFamily="50" charset="-127"/>
+                <a:ea typeface="맑은 고딕" panose="020B0503020000020004" pitchFamily="50" charset="-127"/>
+              </a:rPr>
+              <a:t>홍보 </a:t>
+            </a:r>
+            <a:r>
+              <a:rPr lang="ko-KR" altLang="en-US" dirty="0" smtClean="0">
+                <a:latin typeface="맑은 고딕" panose="020B0503020000020004" pitchFamily="50" charset="-127"/>
+                <a:ea typeface="맑은 고딕" panose="020B0503020000020004" pitchFamily="50" charset="-127"/>
+              </a:rPr>
+              <a:t>업무를 통해 도서관 이용률을 증가 시킨다</a:t>
             </a:r>
             <a:r>
               <a:rPr lang="en-US" altLang="ko-KR" dirty="0" smtClean="0">
@@ -4793,7 +4828,21 @@
                 <a:latin typeface="맑은 고딕" panose="020B0503020000020004" pitchFamily="50" charset="-127"/>
                 <a:ea typeface="맑은 고딕" panose="020B0503020000020004" pitchFamily="50" charset="-127"/>
               </a:rPr>
-              <a:t>이 프로그램은 다른 도서관 이용 서비스와 달리 알림 서비스를 제공한다</a:t>
+              <a:t>이 프로그램은 다른 도서관 이용 서비스와 달리 </a:t>
+            </a:r>
+            <a:r>
+              <a:rPr lang="ko-KR" altLang="en-US" dirty="0" smtClean="0">
+                <a:latin typeface="맑은 고딕" panose="020B0503020000020004" pitchFamily="50" charset="-127"/>
+                <a:ea typeface="맑은 고딕" panose="020B0503020000020004" pitchFamily="50" charset="-127"/>
+              </a:rPr>
+              <a:t>메일 </a:t>
+            </a:r>
+            <a:r>
+              <a:rPr lang="ko-KR" altLang="en-US" dirty="0" smtClean="0">
+                <a:latin typeface="맑은 고딕" panose="020B0503020000020004" pitchFamily="50" charset="-127"/>
+                <a:ea typeface="맑은 고딕" panose="020B0503020000020004" pitchFamily="50" charset="-127"/>
+              </a:rPr>
+              <a:t>서비스를 제공한다</a:t>
             </a:r>
             <a:r>
               <a:rPr lang="en-US" altLang="ko-KR" dirty="0" smtClean="0">
@@ -5223,6 +5272,298 @@
           </a:fontRef>
         </p:style>
       </p:cxnSp>
+      <p:sp>
+        <p:nvSpPr>
+          <p:cNvPr id="10" name="직사각형 9"/>
+          <p:cNvSpPr/>
+          <p:nvPr/>
+        </p:nvSpPr>
+        <p:spPr>
+          <a:xfrm>
+            <a:off x="7020272" y="5306524"/>
+            <a:ext cx="1543625" cy="786772"/>
+          </a:xfrm>
+          <a:prstGeom prst="rect">
+            <a:avLst/>
+          </a:prstGeom>
+          <a:solidFill>
+            <a:schemeClr val="bg1"/>
+          </a:solidFill>
+          <a:ln>
+            <a:solidFill>
+              <a:schemeClr val="bg1"/>
+            </a:solidFill>
+          </a:ln>
+        </p:spPr>
+        <p:style>
+          <a:lnRef idx="2">
+            <a:schemeClr val="accent1">
+              <a:shade val="50000"/>
+            </a:schemeClr>
+          </a:lnRef>
+          <a:fillRef idx="1">
+            <a:schemeClr val="accent1"/>
+          </a:fillRef>
+          <a:effectRef idx="0">
+            <a:schemeClr val="accent1"/>
+          </a:effectRef>
+          <a:fontRef idx="minor">
+            <a:schemeClr val="lt1"/>
+          </a:fontRef>
+        </p:style>
+        <p:txBody>
+          <a:bodyPr rtlCol="0" anchor="ctr"/>
+          <a:lstStyle/>
+          <a:p>
+            <a:pPr algn="ctr"/>
+            <a:endParaRPr lang="ko-KR" altLang="en-US" sz="1100" dirty="0">
+              <a:solidFill>
+                <a:schemeClr val="tx1"/>
+              </a:solidFill>
+            </a:endParaRPr>
+          </a:p>
+        </p:txBody>
+      </p:sp>
+      <p:sp>
+        <p:nvSpPr>
+          <p:cNvPr id="11" name="직사각형 10"/>
+          <p:cNvSpPr/>
+          <p:nvPr/>
+        </p:nvSpPr>
+        <p:spPr>
+          <a:xfrm>
+            <a:off x="5615621" y="5301208"/>
+            <a:ext cx="1543625" cy="349094"/>
+          </a:xfrm>
+          <a:prstGeom prst="rect">
+            <a:avLst/>
+          </a:prstGeom>
+          <a:solidFill>
+            <a:schemeClr val="bg1"/>
+          </a:solidFill>
+          <a:ln>
+            <a:solidFill>
+              <a:schemeClr val="bg1"/>
+            </a:solidFill>
+          </a:ln>
+        </p:spPr>
+        <p:style>
+          <a:lnRef idx="2">
+            <a:schemeClr val="accent1">
+              <a:shade val="50000"/>
+            </a:schemeClr>
+          </a:lnRef>
+          <a:fillRef idx="1">
+            <a:schemeClr val="accent1"/>
+          </a:fillRef>
+          <a:effectRef idx="0">
+            <a:schemeClr val="accent1"/>
+          </a:effectRef>
+          <a:fontRef idx="minor">
+            <a:schemeClr val="lt1"/>
+          </a:fontRef>
+        </p:style>
+        <p:txBody>
+          <a:bodyPr rtlCol="0" anchor="ctr"/>
+          <a:lstStyle/>
+          <a:p>
+            <a:pPr algn="ctr"/>
+            <a:r>
+              <a:rPr lang="ko-KR" altLang="en-US" sz="1100" dirty="0" smtClean="0">
+                <a:solidFill>
+                  <a:schemeClr val="tx1"/>
+                </a:solidFill>
+              </a:rPr>
+              <a:t>메일 서비스</a:t>
+            </a:r>
+            <a:endParaRPr lang="ko-KR" altLang="en-US" sz="1100" dirty="0">
+              <a:solidFill>
+                <a:schemeClr val="tx1"/>
+              </a:solidFill>
+            </a:endParaRPr>
+          </a:p>
+        </p:txBody>
+      </p:sp>
+      <p:sp>
+        <p:nvSpPr>
+          <p:cNvPr id="12" name="직사각형 11"/>
+          <p:cNvSpPr/>
+          <p:nvPr/>
+        </p:nvSpPr>
+        <p:spPr>
+          <a:xfrm>
+            <a:off x="3711386" y="1628800"/>
+            <a:ext cx="1641502" cy="349094"/>
+          </a:xfrm>
+          <a:prstGeom prst="rect">
+            <a:avLst/>
+          </a:prstGeom>
+          <a:solidFill>
+            <a:schemeClr val="bg1"/>
+          </a:solidFill>
+          <a:ln>
+            <a:solidFill>
+              <a:schemeClr val="bg1"/>
+            </a:solidFill>
+          </a:ln>
+        </p:spPr>
+        <p:style>
+          <a:lnRef idx="2">
+            <a:schemeClr val="accent1">
+              <a:shade val="50000"/>
+            </a:schemeClr>
+          </a:lnRef>
+          <a:fillRef idx="1">
+            <a:schemeClr val="accent1"/>
+          </a:fillRef>
+          <a:effectRef idx="0">
+            <a:schemeClr val="accent1"/>
+          </a:effectRef>
+          <a:fontRef idx="minor">
+            <a:schemeClr val="lt1"/>
+          </a:fontRef>
+        </p:style>
+        <p:txBody>
+          <a:bodyPr rtlCol="0" anchor="ctr"/>
+          <a:lstStyle/>
+          <a:p>
+            <a:pPr algn="ctr"/>
+            <a:r>
+              <a:rPr lang="ko-KR" altLang="en-US" sz="1100" dirty="0" smtClean="0">
+                <a:solidFill>
+                  <a:schemeClr val="tx1"/>
+                </a:solidFill>
+              </a:rPr>
+              <a:t>편리한 대출 서비스를 제공 받음</a:t>
+            </a:r>
+            <a:endParaRPr lang="ko-KR" altLang="en-US" sz="1100" dirty="0">
+              <a:solidFill>
+                <a:schemeClr val="tx1"/>
+              </a:solidFill>
+            </a:endParaRPr>
+          </a:p>
+        </p:txBody>
+      </p:sp>
+      <p:sp>
+        <p:nvSpPr>
+          <p:cNvPr id="13" name="직사각형 12"/>
+          <p:cNvSpPr/>
+          <p:nvPr/>
+        </p:nvSpPr>
+        <p:spPr>
+          <a:xfrm>
+            <a:off x="5450766" y="1632524"/>
+            <a:ext cx="1641514" cy="349094"/>
+          </a:xfrm>
+          <a:prstGeom prst="rect">
+            <a:avLst/>
+          </a:prstGeom>
+          <a:solidFill>
+            <a:schemeClr val="bg1"/>
+          </a:solidFill>
+          <a:ln>
+            <a:solidFill>
+              <a:schemeClr val="bg1"/>
+            </a:solidFill>
+          </a:ln>
+        </p:spPr>
+        <p:style>
+          <a:lnRef idx="2">
+            <a:schemeClr val="accent1">
+              <a:shade val="50000"/>
+            </a:schemeClr>
+          </a:lnRef>
+          <a:fillRef idx="1">
+            <a:schemeClr val="accent1"/>
+          </a:fillRef>
+          <a:effectRef idx="0">
+            <a:schemeClr val="accent1"/>
+          </a:effectRef>
+          <a:fontRef idx="minor">
+            <a:schemeClr val="lt1"/>
+          </a:fontRef>
+        </p:style>
+        <p:txBody>
+          <a:bodyPr rtlCol="0" anchor="ctr"/>
+          <a:lstStyle/>
+          <a:p>
+            <a:pPr algn="ctr"/>
+            <a:r>
+              <a:rPr lang="ko-KR" altLang="en-US" sz="1100" dirty="0" smtClean="0">
+                <a:solidFill>
+                  <a:schemeClr val="tx1"/>
+                </a:solidFill>
+              </a:rPr>
+              <a:t>도서관 대여 웹 서비스</a:t>
+            </a:r>
+            <a:endParaRPr lang="ko-KR" altLang="en-US" sz="1100" dirty="0">
+              <a:solidFill>
+                <a:schemeClr val="tx1"/>
+              </a:solidFill>
+            </a:endParaRPr>
+          </a:p>
+        </p:txBody>
+      </p:sp>
+      <p:sp>
+        <p:nvSpPr>
+          <p:cNvPr id="15" name="직사각형 14"/>
+          <p:cNvSpPr/>
+          <p:nvPr/>
+        </p:nvSpPr>
+        <p:spPr>
+          <a:xfrm>
+            <a:off x="3809263" y="5301208"/>
+            <a:ext cx="1338801" cy="349094"/>
+          </a:xfrm>
+          <a:prstGeom prst="rect">
+            <a:avLst/>
+          </a:prstGeom>
+          <a:solidFill>
+            <a:schemeClr val="bg1"/>
+          </a:solidFill>
+          <a:ln>
+            <a:solidFill>
+              <a:schemeClr val="bg1"/>
+            </a:solidFill>
+          </a:ln>
+        </p:spPr>
+        <p:style>
+          <a:lnRef idx="2">
+            <a:schemeClr val="accent1">
+              <a:shade val="50000"/>
+            </a:schemeClr>
+          </a:lnRef>
+          <a:fillRef idx="1">
+            <a:schemeClr val="accent1"/>
+          </a:fillRef>
+          <a:effectRef idx="0">
+            <a:schemeClr val="accent1"/>
+          </a:effectRef>
+          <a:fontRef idx="minor">
+            <a:schemeClr val="lt1"/>
+          </a:fontRef>
+        </p:style>
+        <p:txBody>
+          <a:bodyPr rtlCol="0" anchor="ctr"/>
+          <a:lstStyle/>
+          <a:p>
+            <a:pPr algn="ctr"/>
+            <a:r>
+              <a:rPr lang="ko-KR" altLang="en-US" sz="1100" dirty="0" smtClean="0">
+                <a:solidFill>
+                  <a:schemeClr val="tx1"/>
+                </a:solidFill>
+              </a:rPr>
+              <a:t>홍보 서비스 제공 받음</a:t>
+            </a:r>
+            <a:endParaRPr lang="ko-KR" altLang="en-US" sz="1100" dirty="0">
+              <a:solidFill>
+                <a:schemeClr val="tx1"/>
+              </a:solidFill>
+            </a:endParaRPr>
+          </a:p>
+        </p:txBody>
+      </p:sp>
     </p:spTree>
     <p:extLst>
       <p:ext uri="{BB962C8B-B14F-4D97-AF65-F5344CB8AC3E}">
